--- a/docs/design/Kubevirt backend design.pptx
+++ b/docs/design/Kubevirt backend design.pptx
@@ -4668,7 +4668,7 @@
                 <a:effectLst/>
                 <a:latin typeface="Constantia" panose="02030602050306030303" pitchFamily="18" charset="0"/>
               </a:rPr>
-              <a:t>Virtlete</a:t>
+              <a:t>Virtlet</a:t>
             </a:r>
             <a:endParaRPr lang="zh-CN" altLang="en-US" sz="2000" b="1" dirty="0">
               <a:ln>

--- a/docs/design/Kubevirt backend design.pptx
+++ b/docs/design/Kubevirt backend design.pptx
@@ -7798,8 +7798,8 @@
         </p:nvSpPr>
         <p:spPr>
           <a:xfrm>
-            <a:off x="9215500" y="913046"/>
-            <a:ext cx="1526764" cy="584775"/>
+            <a:off x="9152982" y="913046"/>
+            <a:ext cx="1651799" cy="584775"/>
           </a:xfrm>
           <a:prstGeom prst="rect">
             <a:avLst/>
@@ -7817,7 +7817,7 @@
                 <a:latin typeface="Times New Roman" panose="02020603050405020304" pitchFamily="18" charset="0"/>
                 <a:cs typeface="Times New Roman" panose="02020603050405020304" pitchFamily="18" charset="0"/>
               </a:rPr>
-              <a:t>syschroizeStates</a:t>
+              <a:t>synchronizeStates</a:t>
             </a:r>
             <a:endParaRPr lang="en-US" altLang="zh-CN" sz="1600" i="1" dirty="0">
               <a:latin typeface="Times New Roman" panose="02020603050405020304" pitchFamily="18" charset="0"/>
